--- a/к смотру.pptx
+++ b/к смотру.pptx
@@ -5,7 +5,7 @@
     <p:sldMasterId id="2147483840" r:id="rId1"/>
   </p:sldMasterIdLst>
   <p:notesMasterIdLst>
-    <p:notesMasterId r:id="rId16"/>
+    <p:notesMasterId r:id="rId17"/>
   </p:notesMasterIdLst>
   <p:sldIdLst>
     <p:sldId id="256" r:id="rId2"/>
@@ -20,8 +20,9 @@
     <p:sldId id="269" r:id="rId11"/>
     <p:sldId id="270" r:id="rId12"/>
     <p:sldId id="271" r:id="rId13"/>
-    <p:sldId id="272" r:id="rId14"/>
-    <p:sldId id="265" r:id="rId15"/>
+    <p:sldId id="273" r:id="rId14"/>
+    <p:sldId id="272" r:id="rId15"/>
+    <p:sldId id="265" r:id="rId16"/>
   </p:sldIdLst>
   <p:sldSz cx="9144000" cy="6858000" type="screen4x3"/>
   <p:notesSz cx="6858000" cy="9144000"/>
@@ -123,6 +124,1273 @@
 </p:presentation>
 </file>
 
+<file path=ppt/charts/chart1.xml><?xml version="1.0" encoding="utf-8"?>
+<c:chartSpace xmlns:c="http://schemas.openxmlformats.org/drawingml/2006/chart" xmlns:a="http://schemas.openxmlformats.org/drawingml/2006/main" xmlns:r="http://schemas.openxmlformats.org/officeDocument/2006/relationships">
+  <c:date1904 val="1"/>
+  <c:lang val="ru-RU"/>
+  <c:chart>
+    <c:plotArea>
+      <c:layout/>
+      <c:lineChart>
+        <c:grouping val="standard"/>
+        <c:ser>
+          <c:idx val="0"/>
+          <c:order val="0"/>
+          <c:tx>
+            <c:strRef>
+              <c:f>Лист1!$B$1</c:f>
+              <c:strCache>
+                <c:ptCount val="1"/>
+                <c:pt idx="0">
+                  <c:v>без адаптации погрешности</c:v>
+                </c:pt>
+              </c:strCache>
+            </c:strRef>
+          </c:tx>
+          <c:cat>
+            <c:numRef>
+              <c:f>Лист1!$A$2:$A$96</c:f>
+              <c:numCache>
+                <c:formatCode>General</c:formatCode>
+                <c:ptCount val="95"/>
+                <c:pt idx="0">
+                  <c:v>197</c:v>
+                </c:pt>
+                <c:pt idx="1">
+                  <c:v>198</c:v>
+                </c:pt>
+                <c:pt idx="2">
+                  <c:v>199</c:v>
+                </c:pt>
+                <c:pt idx="3">
+                  <c:v>200</c:v>
+                </c:pt>
+                <c:pt idx="4">
+                  <c:v>201</c:v>
+                </c:pt>
+                <c:pt idx="5">
+                  <c:v>202</c:v>
+                </c:pt>
+                <c:pt idx="6">
+                  <c:v>203</c:v>
+                </c:pt>
+                <c:pt idx="7">
+                  <c:v>204</c:v>
+                </c:pt>
+                <c:pt idx="8">
+                  <c:v>205</c:v>
+                </c:pt>
+                <c:pt idx="9">
+                  <c:v>206</c:v>
+                </c:pt>
+                <c:pt idx="10">
+                  <c:v>207</c:v>
+                </c:pt>
+                <c:pt idx="11">
+                  <c:v>208</c:v>
+                </c:pt>
+                <c:pt idx="12">
+                  <c:v>209</c:v>
+                </c:pt>
+                <c:pt idx="13">
+                  <c:v>210</c:v>
+                </c:pt>
+                <c:pt idx="14">
+                  <c:v>211</c:v>
+                </c:pt>
+                <c:pt idx="15">
+                  <c:v>212</c:v>
+                </c:pt>
+                <c:pt idx="16">
+                  <c:v>213</c:v>
+                </c:pt>
+                <c:pt idx="17">
+                  <c:v>214</c:v>
+                </c:pt>
+                <c:pt idx="18">
+                  <c:v>215</c:v>
+                </c:pt>
+                <c:pt idx="19">
+                  <c:v>216</c:v>
+                </c:pt>
+                <c:pt idx="20">
+                  <c:v>217</c:v>
+                </c:pt>
+                <c:pt idx="21">
+                  <c:v>218</c:v>
+                </c:pt>
+                <c:pt idx="22">
+                  <c:v>219</c:v>
+                </c:pt>
+                <c:pt idx="23">
+                  <c:v>220</c:v>
+                </c:pt>
+                <c:pt idx="24">
+                  <c:v>221</c:v>
+                </c:pt>
+                <c:pt idx="25">
+                  <c:v>222</c:v>
+                </c:pt>
+                <c:pt idx="26">
+                  <c:v>223</c:v>
+                </c:pt>
+                <c:pt idx="27">
+                  <c:v>224</c:v>
+                </c:pt>
+                <c:pt idx="28">
+                  <c:v>225</c:v>
+                </c:pt>
+                <c:pt idx="29">
+                  <c:v>226</c:v>
+                </c:pt>
+                <c:pt idx="30">
+                  <c:v>227</c:v>
+                </c:pt>
+                <c:pt idx="31">
+                  <c:v>228</c:v>
+                </c:pt>
+                <c:pt idx="32">
+                  <c:v>229</c:v>
+                </c:pt>
+                <c:pt idx="33">
+                  <c:v>230</c:v>
+                </c:pt>
+                <c:pt idx="34">
+                  <c:v>231</c:v>
+                </c:pt>
+                <c:pt idx="35">
+                  <c:v>232</c:v>
+                </c:pt>
+                <c:pt idx="36">
+                  <c:v>233</c:v>
+                </c:pt>
+                <c:pt idx="37">
+                  <c:v>234</c:v>
+                </c:pt>
+                <c:pt idx="38">
+                  <c:v>235</c:v>
+                </c:pt>
+                <c:pt idx="39">
+                  <c:v>236</c:v>
+                </c:pt>
+                <c:pt idx="40">
+                  <c:v>237</c:v>
+                </c:pt>
+                <c:pt idx="41">
+                  <c:v>238</c:v>
+                </c:pt>
+                <c:pt idx="42">
+                  <c:v>239</c:v>
+                </c:pt>
+                <c:pt idx="43">
+                  <c:v>240</c:v>
+                </c:pt>
+                <c:pt idx="44">
+                  <c:v>241</c:v>
+                </c:pt>
+                <c:pt idx="45">
+                  <c:v>242</c:v>
+                </c:pt>
+                <c:pt idx="46">
+                  <c:v>243</c:v>
+                </c:pt>
+                <c:pt idx="47">
+                  <c:v>244</c:v>
+                </c:pt>
+                <c:pt idx="48">
+                  <c:v>245</c:v>
+                </c:pt>
+                <c:pt idx="49">
+                  <c:v>246</c:v>
+                </c:pt>
+                <c:pt idx="50">
+                  <c:v>247</c:v>
+                </c:pt>
+                <c:pt idx="51">
+                  <c:v>248</c:v>
+                </c:pt>
+                <c:pt idx="52">
+                  <c:v>249</c:v>
+                </c:pt>
+                <c:pt idx="53">
+                  <c:v>250</c:v>
+                </c:pt>
+                <c:pt idx="54">
+                  <c:v>251</c:v>
+                </c:pt>
+                <c:pt idx="55">
+                  <c:v>252</c:v>
+                </c:pt>
+                <c:pt idx="56">
+                  <c:v>253</c:v>
+                </c:pt>
+                <c:pt idx="57">
+                  <c:v>254</c:v>
+                </c:pt>
+                <c:pt idx="58">
+                  <c:v>255</c:v>
+                </c:pt>
+                <c:pt idx="59">
+                  <c:v>256</c:v>
+                </c:pt>
+                <c:pt idx="60">
+                  <c:v>257</c:v>
+                </c:pt>
+                <c:pt idx="61">
+                  <c:v>258</c:v>
+                </c:pt>
+                <c:pt idx="62">
+                  <c:v>259</c:v>
+                </c:pt>
+                <c:pt idx="63">
+                  <c:v>260</c:v>
+                </c:pt>
+                <c:pt idx="64">
+                  <c:v>261</c:v>
+                </c:pt>
+                <c:pt idx="65">
+                  <c:v>262</c:v>
+                </c:pt>
+                <c:pt idx="66">
+                  <c:v>263</c:v>
+                </c:pt>
+                <c:pt idx="67">
+                  <c:v>264</c:v>
+                </c:pt>
+                <c:pt idx="68">
+                  <c:v>265</c:v>
+                </c:pt>
+                <c:pt idx="69">
+                  <c:v>266</c:v>
+                </c:pt>
+                <c:pt idx="70">
+                  <c:v>267</c:v>
+                </c:pt>
+                <c:pt idx="71">
+                  <c:v>268</c:v>
+                </c:pt>
+                <c:pt idx="72">
+                  <c:v>269</c:v>
+                </c:pt>
+                <c:pt idx="73">
+                  <c:v>270</c:v>
+                </c:pt>
+                <c:pt idx="74">
+                  <c:v>271</c:v>
+                </c:pt>
+                <c:pt idx="75">
+                  <c:v>272</c:v>
+                </c:pt>
+                <c:pt idx="76">
+                  <c:v>273</c:v>
+                </c:pt>
+                <c:pt idx="77">
+                  <c:v>274</c:v>
+                </c:pt>
+                <c:pt idx="78">
+                  <c:v>275</c:v>
+                </c:pt>
+                <c:pt idx="79">
+                  <c:v>276</c:v>
+                </c:pt>
+                <c:pt idx="80">
+                  <c:v>277</c:v>
+                </c:pt>
+                <c:pt idx="81">
+                  <c:v>278</c:v>
+                </c:pt>
+                <c:pt idx="82">
+                  <c:v>279</c:v>
+                </c:pt>
+                <c:pt idx="83">
+                  <c:v>280</c:v>
+                </c:pt>
+                <c:pt idx="84">
+                  <c:v>281</c:v>
+                </c:pt>
+                <c:pt idx="85">
+                  <c:v>282</c:v>
+                </c:pt>
+                <c:pt idx="86">
+                  <c:v>283</c:v>
+                </c:pt>
+                <c:pt idx="87">
+                  <c:v>284</c:v>
+                </c:pt>
+                <c:pt idx="88">
+                  <c:v>285</c:v>
+                </c:pt>
+                <c:pt idx="89">
+                  <c:v>286</c:v>
+                </c:pt>
+                <c:pt idx="90">
+                  <c:v>287</c:v>
+                </c:pt>
+                <c:pt idx="91">
+                  <c:v>288</c:v>
+                </c:pt>
+                <c:pt idx="92">
+                  <c:v>289</c:v>
+                </c:pt>
+                <c:pt idx="93">
+                  <c:v>290</c:v>
+                </c:pt>
+                <c:pt idx="94">
+                  <c:v>291</c:v>
+                </c:pt>
+              </c:numCache>
+            </c:numRef>
+          </c:cat>
+          <c:val>
+            <c:numRef>
+              <c:f>Лист1!$B$2:$B$96</c:f>
+              <c:numCache>
+                <c:formatCode>General</c:formatCode>
+                <c:ptCount val="95"/>
+                <c:pt idx="0">
+                  <c:v>0.65397450000000024</c:v>
+                </c:pt>
+                <c:pt idx="1">
+                  <c:v>0.61670720000000023</c:v>
+                </c:pt>
+                <c:pt idx="2">
+                  <c:v>0.62531060000000005</c:v>
+                </c:pt>
+                <c:pt idx="3">
+                  <c:v>0.61948269999999983</c:v>
+                </c:pt>
+                <c:pt idx="4">
+                  <c:v>0.62887480000000029</c:v>
+                </c:pt>
+                <c:pt idx="5">
+                  <c:v>0.63992340000000025</c:v>
+                </c:pt>
+                <c:pt idx="6">
+                  <c:v>0.61266670000000001</c:v>
+                </c:pt>
+                <c:pt idx="7">
+                  <c:v>0.66969960000000039</c:v>
+                </c:pt>
+                <c:pt idx="8">
+                  <c:v>0.69094450000000041</c:v>
+                </c:pt>
+                <c:pt idx="9">
+                  <c:v>0.66350379999999998</c:v>
+                </c:pt>
+                <c:pt idx="10">
+                  <c:v>0.60754019999999997</c:v>
+                </c:pt>
+                <c:pt idx="11">
+                  <c:v>0.57966309999999999</c:v>
+                </c:pt>
+                <c:pt idx="12">
+                  <c:v>0.56689750000000005</c:v>
+                </c:pt>
+                <c:pt idx="13">
+                  <c:v>0.53857080000000002</c:v>
+                </c:pt>
+                <c:pt idx="14">
+                  <c:v>0.50930619999999971</c:v>
+                </c:pt>
+                <c:pt idx="15">
+                  <c:v>0.51023560000000001</c:v>
+                </c:pt>
+                <c:pt idx="16">
+                  <c:v>0.49711720000000009</c:v>
+                </c:pt>
+                <c:pt idx="17">
+                  <c:v>0.45611460000000009</c:v>
+                </c:pt>
+                <c:pt idx="18">
+                  <c:v>0.4386207000000002</c:v>
+                </c:pt>
+                <c:pt idx="19">
+                  <c:v>0.44005000000000011</c:v>
+                </c:pt>
+                <c:pt idx="20">
+                  <c:v>0.42587200000000014</c:v>
+                </c:pt>
+                <c:pt idx="21">
+                  <c:v>0.42855970000000015</c:v>
+                </c:pt>
+                <c:pt idx="22">
+                  <c:v>0.40307000000000009</c:v>
+                </c:pt>
+                <c:pt idx="23">
+                  <c:v>0.37573190000000001</c:v>
+                </c:pt>
+                <c:pt idx="24">
+                  <c:v>0.33241050000000022</c:v>
+                </c:pt>
+                <c:pt idx="25">
+                  <c:v>0.34217460000000022</c:v>
+                </c:pt>
+                <c:pt idx="26">
+                  <c:v>0.34423940000000008</c:v>
+                </c:pt>
+                <c:pt idx="27">
+                  <c:v>0.36496000000000012</c:v>
+                </c:pt>
+                <c:pt idx="28">
+                  <c:v>0.3818697000000002</c:v>
+                </c:pt>
+                <c:pt idx="29">
+                  <c:v>0.37605010000000011</c:v>
+                </c:pt>
+                <c:pt idx="30">
+                  <c:v>0.4161995</c:v>
+                </c:pt>
+                <c:pt idx="31">
+                  <c:v>0.36997200000000013</c:v>
+                </c:pt>
+                <c:pt idx="32">
+                  <c:v>0.37298520000000013</c:v>
+                </c:pt>
+                <c:pt idx="33">
+                  <c:v>0.46223739999999996</c:v>
+                </c:pt>
+                <c:pt idx="34">
+                  <c:v>0.45726830000000002</c:v>
+                </c:pt>
+                <c:pt idx="35">
+                  <c:v>0.49022840000000012</c:v>
+                </c:pt>
+                <c:pt idx="36">
+                  <c:v>0.50769950000000019</c:v>
+                </c:pt>
+                <c:pt idx="37">
+                  <c:v>0.53111619999999971</c:v>
+                </c:pt>
+                <c:pt idx="38">
+                  <c:v>0.52068119999999996</c:v>
+                </c:pt>
+                <c:pt idx="39">
+                  <c:v>0.48171090000000011</c:v>
+                </c:pt>
+                <c:pt idx="40">
+                  <c:v>0.4519494</c:v>
+                </c:pt>
+                <c:pt idx="41">
+                  <c:v>0.50912829999999998</c:v>
+                </c:pt>
+                <c:pt idx="42">
+                  <c:v>0.51303569999999998</c:v>
+                </c:pt>
+                <c:pt idx="43">
+                  <c:v>0.54478329999999997</c:v>
+                </c:pt>
+                <c:pt idx="44">
+                  <c:v>0.52602130000000002</c:v>
+                </c:pt>
+                <c:pt idx="45">
+                  <c:v>0.50805199999999973</c:v>
+                </c:pt>
+                <c:pt idx="46">
+                  <c:v>0.51698339999999976</c:v>
+                </c:pt>
+                <c:pt idx="47">
+                  <c:v>0.57888770000000001</c:v>
+                </c:pt>
+                <c:pt idx="48">
+                  <c:v>0.58754410000000001</c:v>
+                </c:pt>
+                <c:pt idx="49">
+                  <c:v>0.58057139999999996</c:v>
+                </c:pt>
+                <c:pt idx="50">
+                  <c:v>0.61743760000000003</c:v>
+                </c:pt>
+                <c:pt idx="51">
+                  <c:v>0.58889850000000021</c:v>
+                </c:pt>
+                <c:pt idx="52">
+                  <c:v>0.57724719999999996</c:v>
+                </c:pt>
+                <c:pt idx="53">
+                  <c:v>0.61539029999999995</c:v>
+                </c:pt>
+                <c:pt idx="54">
+                  <c:v>0.58771070000000003</c:v>
+                </c:pt>
+                <c:pt idx="55">
+                  <c:v>0.68524450000000026</c:v>
+                </c:pt>
+                <c:pt idx="56">
+                  <c:v>0.71240780000000004</c:v>
+                </c:pt>
+                <c:pt idx="57">
+                  <c:v>0.65721050000000003</c:v>
+                </c:pt>
+                <c:pt idx="58">
+                  <c:v>0.68217930000000038</c:v>
+                </c:pt>
+                <c:pt idx="59">
+                  <c:v>0.69493520000000031</c:v>
+                </c:pt>
+                <c:pt idx="60">
+                  <c:v>0.68630250000000004</c:v>
+                </c:pt>
+                <c:pt idx="61">
+                  <c:v>0.66929850000000024</c:v>
+                </c:pt>
+                <c:pt idx="62">
+                  <c:v>0.6534019000000002</c:v>
+                </c:pt>
+                <c:pt idx="63">
+                  <c:v>0.57273149999999995</c:v>
+                </c:pt>
+                <c:pt idx="64">
+                  <c:v>0.50024139999999973</c:v>
+                </c:pt>
+                <c:pt idx="65">
+                  <c:v>0.54134570000000004</c:v>
+                </c:pt>
+                <c:pt idx="66">
+                  <c:v>0.5690269</c:v>
+                </c:pt>
+                <c:pt idx="67">
+                  <c:v>0.52409220000000001</c:v>
+                </c:pt>
+                <c:pt idx="68">
+                  <c:v>0.39478190000000013</c:v>
+                </c:pt>
+                <c:pt idx="69">
+                  <c:v>0.37127850000000012</c:v>
+                </c:pt>
+                <c:pt idx="70">
+                  <c:v>0.33668700000000013</c:v>
+                </c:pt>
+                <c:pt idx="71">
+                  <c:v>0.4082687000000001</c:v>
+                </c:pt>
+                <c:pt idx="72">
+                  <c:v>0.32415930000000009</c:v>
+                </c:pt>
+                <c:pt idx="73">
+                  <c:v>0.29614780000000002</c:v>
+                </c:pt>
+                <c:pt idx="74">
+                  <c:v>0.27596500000000002</c:v>
+                </c:pt>
+                <c:pt idx="75">
+                  <c:v>0.21084640000000007</c:v>
+                </c:pt>
+                <c:pt idx="76">
+                  <c:v>0.20643980000000006</c:v>
+                </c:pt>
+                <c:pt idx="77">
+                  <c:v>0.22270190000000006</c:v>
+                </c:pt>
+                <c:pt idx="78">
+                  <c:v>0.23157710000000001</c:v>
+                </c:pt>
+                <c:pt idx="79">
+                  <c:v>0.2373709</c:v>
+                </c:pt>
+                <c:pt idx="80">
+                  <c:v>0.2146535</c:v>
+                </c:pt>
+                <c:pt idx="81">
+                  <c:v>0.27733360000000001</c:v>
+                </c:pt>
+                <c:pt idx="82">
+                  <c:v>0.39588480000000031</c:v>
+                </c:pt>
+                <c:pt idx="83">
+                  <c:v>0.42646610000000013</c:v>
+                </c:pt>
+                <c:pt idx="84">
+                  <c:v>0.38521530000000009</c:v>
+                </c:pt>
+                <c:pt idx="85">
+                  <c:v>0.22778040000000008</c:v>
+                </c:pt>
+                <c:pt idx="86">
+                  <c:v>0.14576560000000005</c:v>
+                </c:pt>
+                <c:pt idx="87">
+                  <c:v>0</c:v>
+                </c:pt>
+                <c:pt idx="88">
+                  <c:v>0</c:v>
+                </c:pt>
+                <c:pt idx="89">
+                  <c:v>3.3372650000000004E-2</c:v>
+                </c:pt>
+                <c:pt idx="90">
+                  <c:v>0.29131730000000011</c:v>
+                </c:pt>
+                <c:pt idx="91">
+                  <c:v>0.30470370000000002</c:v>
+                </c:pt>
+                <c:pt idx="92">
+                  <c:v>0.35707970000000011</c:v>
+                </c:pt>
+                <c:pt idx="93">
+                  <c:v>0.33916600000000013</c:v>
+                </c:pt>
+                <c:pt idx="94">
+                  <c:v>0.21447700000000006</c:v>
+                </c:pt>
+              </c:numCache>
+            </c:numRef>
+          </c:val>
+        </c:ser>
+        <c:ser>
+          <c:idx val="1"/>
+          <c:order val="1"/>
+          <c:tx>
+            <c:strRef>
+              <c:f>Лист1!$C$1</c:f>
+              <c:strCache>
+                <c:ptCount val="1"/>
+                <c:pt idx="0">
+                  <c:v>с адаптацией погрешности</c:v>
+                </c:pt>
+              </c:strCache>
+            </c:strRef>
+          </c:tx>
+          <c:cat>
+            <c:numRef>
+              <c:f>Лист1!$A$2:$A$96</c:f>
+              <c:numCache>
+                <c:formatCode>General</c:formatCode>
+                <c:ptCount val="95"/>
+                <c:pt idx="0">
+                  <c:v>197</c:v>
+                </c:pt>
+                <c:pt idx="1">
+                  <c:v>198</c:v>
+                </c:pt>
+                <c:pt idx="2">
+                  <c:v>199</c:v>
+                </c:pt>
+                <c:pt idx="3">
+                  <c:v>200</c:v>
+                </c:pt>
+                <c:pt idx="4">
+                  <c:v>201</c:v>
+                </c:pt>
+                <c:pt idx="5">
+                  <c:v>202</c:v>
+                </c:pt>
+                <c:pt idx="6">
+                  <c:v>203</c:v>
+                </c:pt>
+                <c:pt idx="7">
+                  <c:v>204</c:v>
+                </c:pt>
+                <c:pt idx="8">
+                  <c:v>205</c:v>
+                </c:pt>
+                <c:pt idx="9">
+                  <c:v>206</c:v>
+                </c:pt>
+                <c:pt idx="10">
+                  <c:v>207</c:v>
+                </c:pt>
+                <c:pt idx="11">
+                  <c:v>208</c:v>
+                </c:pt>
+                <c:pt idx="12">
+                  <c:v>209</c:v>
+                </c:pt>
+                <c:pt idx="13">
+                  <c:v>210</c:v>
+                </c:pt>
+                <c:pt idx="14">
+                  <c:v>211</c:v>
+                </c:pt>
+                <c:pt idx="15">
+                  <c:v>212</c:v>
+                </c:pt>
+                <c:pt idx="16">
+                  <c:v>213</c:v>
+                </c:pt>
+                <c:pt idx="17">
+                  <c:v>214</c:v>
+                </c:pt>
+                <c:pt idx="18">
+                  <c:v>215</c:v>
+                </c:pt>
+                <c:pt idx="19">
+                  <c:v>216</c:v>
+                </c:pt>
+                <c:pt idx="20">
+                  <c:v>217</c:v>
+                </c:pt>
+                <c:pt idx="21">
+                  <c:v>218</c:v>
+                </c:pt>
+                <c:pt idx="22">
+                  <c:v>219</c:v>
+                </c:pt>
+                <c:pt idx="23">
+                  <c:v>220</c:v>
+                </c:pt>
+                <c:pt idx="24">
+                  <c:v>221</c:v>
+                </c:pt>
+                <c:pt idx="25">
+                  <c:v>222</c:v>
+                </c:pt>
+                <c:pt idx="26">
+                  <c:v>223</c:v>
+                </c:pt>
+                <c:pt idx="27">
+                  <c:v>224</c:v>
+                </c:pt>
+                <c:pt idx="28">
+                  <c:v>225</c:v>
+                </c:pt>
+                <c:pt idx="29">
+                  <c:v>226</c:v>
+                </c:pt>
+                <c:pt idx="30">
+                  <c:v>227</c:v>
+                </c:pt>
+                <c:pt idx="31">
+                  <c:v>228</c:v>
+                </c:pt>
+                <c:pt idx="32">
+                  <c:v>229</c:v>
+                </c:pt>
+                <c:pt idx="33">
+                  <c:v>230</c:v>
+                </c:pt>
+                <c:pt idx="34">
+                  <c:v>231</c:v>
+                </c:pt>
+                <c:pt idx="35">
+                  <c:v>232</c:v>
+                </c:pt>
+                <c:pt idx="36">
+                  <c:v>233</c:v>
+                </c:pt>
+                <c:pt idx="37">
+                  <c:v>234</c:v>
+                </c:pt>
+                <c:pt idx="38">
+                  <c:v>235</c:v>
+                </c:pt>
+                <c:pt idx="39">
+                  <c:v>236</c:v>
+                </c:pt>
+                <c:pt idx="40">
+                  <c:v>237</c:v>
+                </c:pt>
+                <c:pt idx="41">
+                  <c:v>238</c:v>
+                </c:pt>
+                <c:pt idx="42">
+                  <c:v>239</c:v>
+                </c:pt>
+                <c:pt idx="43">
+                  <c:v>240</c:v>
+                </c:pt>
+                <c:pt idx="44">
+                  <c:v>241</c:v>
+                </c:pt>
+                <c:pt idx="45">
+                  <c:v>242</c:v>
+                </c:pt>
+                <c:pt idx="46">
+                  <c:v>243</c:v>
+                </c:pt>
+                <c:pt idx="47">
+                  <c:v>244</c:v>
+                </c:pt>
+                <c:pt idx="48">
+                  <c:v>245</c:v>
+                </c:pt>
+                <c:pt idx="49">
+                  <c:v>246</c:v>
+                </c:pt>
+                <c:pt idx="50">
+                  <c:v>247</c:v>
+                </c:pt>
+                <c:pt idx="51">
+                  <c:v>248</c:v>
+                </c:pt>
+                <c:pt idx="52">
+                  <c:v>249</c:v>
+                </c:pt>
+                <c:pt idx="53">
+                  <c:v>250</c:v>
+                </c:pt>
+                <c:pt idx="54">
+                  <c:v>251</c:v>
+                </c:pt>
+                <c:pt idx="55">
+                  <c:v>252</c:v>
+                </c:pt>
+                <c:pt idx="56">
+                  <c:v>253</c:v>
+                </c:pt>
+                <c:pt idx="57">
+                  <c:v>254</c:v>
+                </c:pt>
+                <c:pt idx="58">
+                  <c:v>255</c:v>
+                </c:pt>
+                <c:pt idx="59">
+                  <c:v>256</c:v>
+                </c:pt>
+                <c:pt idx="60">
+                  <c:v>257</c:v>
+                </c:pt>
+                <c:pt idx="61">
+                  <c:v>258</c:v>
+                </c:pt>
+                <c:pt idx="62">
+                  <c:v>259</c:v>
+                </c:pt>
+                <c:pt idx="63">
+                  <c:v>260</c:v>
+                </c:pt>
+                <c:pt idx="64">
+                  <c:v>261</c:v>
+                </c:pt>
+                <c:pt idx="65">
+                  <c:v>262</c:v>
+                </c:pt>
+                <c:pt idx="66">
+                  <c:v>263</c:v>
+                </c:pt>
+                <c:pt idx="67">
+                  <c:v>264</c:v>
+                </c:pt>
+                <c:pt idx="68">
+                  <c:v>265</c:v>
+                </c:pt>
+                <c:pt idx="69">
+                  <c:v>266</c:v>
+                </c:pt>
+                <c:pt idx="70">
+                  <c:v>267</c:v>
+                </c:pt>
+                <c:pt idx="71">
+                  <c:v>268</c:v>
+                </c:pt>
+                <c:pt idx="72">
+                  <c:v>269</c:v>
+                </c:pt>
+                <c:pt idx="73">
+                  <c:v>270</c:v>
+                </c:pt>
+                <c:pt idx="74">
+                  <c:v>271</c:v>
+                </c:pt>
+                <c:pt idx="75">
+                  <c:v>272</c:v>
+                </c:pt>
+                <c:pt idx="76">
+                  <c:v>273</c:v>
+                </c:pt>
+                <c:pt idx="77">
+                  <c:v>274</c:v>
+                </c:pt>
+                <c:pt idx="78">
+                  <c:v>275</c:v>
+                </c:pt>
+                <c:pt idx="79">
+                  <c:v>276</c:v>
+                </c:pt>
+                <c:pt idx="80">
+                  <c:v>277</c:v>
+                </c:pt>
+                <c:pt idx="81">
+                  <c:v>278</c:v>
+                </c:pt>
+                <c:pt idx="82">
+                  <c:v>279</c:v>
+                </c:pt>
+                <c:pt idx="83">
+                  <c:v>280</c:v>
+                </c:pt>
+                <c:pt idx="84">
+                  <c:v>281</c:v>
+                </c:pt>
+                <c:pt idx="85">
+                  <c:v>282</c:v>
+                </c:pt>
+                <c:pt idx="86">
+                  <c:v>283</c:v>
+                </c:pt>
+                <c:pt idx="87">
+                  <c:v>284</c:v>
+                </c:pt>
+                <c:pt idx="88">
+                  <c:v>285</c:v>
+                </c:pt>
+                <c:pt idx="89">
+                  <c:v>286</c:v>
+                </c:pt>
+                <c:pt idx="90">
+                  <c:v>287</c:v>
+                </c:pt>
+                <c:pt idx="91">
+                  <c:v>288</c:v>
+                </c:pt>
+                <c:pt idx="92">
+                  <c:v>289</c:v>
+                </c:pt>
+                <c:pt idx="93">
+                  <c:v>290</c:v>
+                </c:pt>
+                <c:pt idx="94">
+                  <c:v>291</c:v>
+                </c:pt>
+              </c:numCache>
+            </c:numRef>
+          </c:cat>
+          <c:val>
+            <c:numRef>
+              <c:f>Лист1!$C$2:$C$96</c:f>
+              <c:numCache>
+                <c:formatCode>0.00</c:formatCode>
+                <c:ptCount val="95"/>
+                <c:pt idx="0">
+                  <c:v>0.63819180000000031</c:v>
+                </c:pt>
+                <c:pt idx="1">
+                  <c:v>0.62343550000000003</c:v>
+                </c:pt>
+                <c:pt idx="2">
+                  <c:v>0.70032799999999973</c:v>
+                </c:pt>
+                <c:pt idx="3">
+                  <c:v>0.59054059999999997</c:v>
+                </c:pt>
+                <c:pt idx="4">
+                  <c:v>0.62902840000000027</c:v>
+                </c:pt>
+                <c:pt idx="5">
+                  <c:v>0.65987810000000025</c:v>
+                </c:pt>
+                <c:pt idx="6">
+                  <c:v>0.61494170000000026</c:v>
+                </c:pt>
+                <c:pt idx="7">
+                  <c:v>0.51395389999999996</c:v>
+                </c:pt>
+                <c:pt idx="8">
+                  <c:v>0.68681020000000026</c:v>
+                </c:pt>
+                <c:pt idx="9">
+                  <c:v>0.64111890000000005</c:v>
+                </c:pt>
+                <c:pt idx="10">
+                  <c:v>0.42900590000000011</c:v>
+                </c:pt>
+                <c:pt idx="11">
+                  <c:v>0.51752219999999971</c:v>
+                </c:pt>
+                <c:pt idx="12">
+                  <c:v>0.66406639999999972</c:v>
+                </c:pt>
+                <c:pt idx="13">
+                  <c:v>0.77841099999999963</c:v>
+                </c:pt>
+                <c:pt idx="14">
+                  <c:v>0.89715820000000024</c:v>
+                </c:pt>
+                <c:pt idx="15">
+                  <c:v>0.76697010000000021</c:v>
+                </c:pt>
+                <c:pt idx="16">
+                  <c:v>0.81373799999999996</c:v>
+                </c:pt>
+                <c:pt idx="17">
+                  <c:v>0.68756269999999997</c:v>
+                </c:pt>
+                <c:pt idx="18">
+                  <c:v>0.62333309999999997</c:v>
+                </c:pt>
+                <c:pt idx="19">
+                  <c:v>0.47437580000000013</c:v>
+                </c:pt>
+                <c:pt idx="20">
+                  <c:v>0.47070250000000002</c:v>
+                </c:pt>
+                <c:pt idx="21">
+                  <c:v>0.30769610000000008</c:v>
+                </c:pt>
+                <c:pt idx="22">
+                  <c:v>0.412219</c:v>
+                </c:pt>
+                <c:pt idx="23">
+                  <c:v>0.51017820000000003</c:v>
+                </c:pt>
+                <c:pt idx="24">
+                  <c:v>0.48642850000000026</c:v>
+                </c:pt>
+                <c:pt idx="25">
+                  <c:v>0.52557500000000001</c:v>
+                </c:pt>
+                <c:pt idx="26">
+                  <c:v>0.62377390000000021</c:v>
+                </c:pt>
+                <c:pt idx="27">
+                  <c:v>0.50639000000000001</c:v>
+                </c:pt>
+                <c:pt idx="28">
+                  <c:v>0.37293250000000011</c:v>
+                </c:pt>
+                <c:pt idx="29">
+                  <c:v>0.29452190000000011</c:v>
+                </c:pt>
+                <c:pt idx="30">
+                  <c:v>0.13367329999999997</c:v>
+                </c:pt>
+                <c:pt idx="31">
+                  <c:v>0.1386376</c:v>
+                </c:pt>
+                <c:pt idx="32">
+                  <c:v>9.0034430000000082E-2</c:v>
+                </c:pt>
+                <c:pt idx="33">
+                  <c:v>0.11473460000000009</c:v>
+                </c:pt>
+                <c:pt idx="34">
+                  <c:v>0.18635810000000005</c:v>
+                </c:pt>
+                <c:pt idx="35">
+                  <c:v>0.21839400000000006</c:v>
+                </c:pt>
+                <c:pt idx="36">
+                  <c:v>0.18514030000000006</c:v>
+                </c:pt>
+                <c:pt idx="37">
+                  <c:v>0.27161400000000002</c:v>
+                </c:pt>
+                <c:pt idx="38">
+                  <c:v>0.27844160000000001</c:v>
+                </c:pt>
+                <c:pt idx="39">
+                  <c:v>0.3223908000000002</c:v>
+                </c:pt>
+                <c:pt idx="40">
+                  <c:v>0.28178590000000009</c:v>
+                </c:pt>
+                <c:pt idx="41">
+                  <c:v>0.24942300000000006</c:v>
+                </c:pt>
+                <c:pt idx="42">
+                  <c:v>0.28800320000000001</c:v>
+                </c:pt>
+                <c:pt idx="43">
+                  <c:v>0.26297060000000011</c:v>
+                </c:pt>
+                <c:pt idx="44">
+                  <c:v>0.23951560000000005</c:v>
+                </c:pt>
+                <c:pt idx="45">
+                  <c:v>0.26228380000000001</c:v>
+                </c:pt>
+                <c:pt idx="46">
+                  <c:v>0.34579740000000009</c:v>
+                </c:pt>
+                <c:pt idx="47">
+                  <c:v>0.45270370000000004</c:v>
+                </c:pt>
+                <c:pt idx="48">
+                  <c:v>0.51920500000000003</c:v>
+                </c:pt>
+                <c:pt idx="49">
+                  <c:v>0.54935020000000001</c:v>
+                </c:pt>
+                <c:pt idx="50">
+                  <c:v>0.61559770000000003</c:v>
+                </c:pt>
+                <c:pt idx="51">
+                  <c:v>0.73117239999999972</c:v>
+                </c:pt>
+                <c:pt idx="52">
+                  <c:v>0.75497750000000019</c:v>
+                </c:pt>
+                <c:pt idx="53">
+                  <c:v>0.83052519999999996</c:v>
+                </c:pt>
+                <c:pt idx="54">
+                  <c:v>0.82402080000000022</c:v>
+                </c:pt>
+                <c:pt idx="55">
+                  <c:v>0.74746249999999981</c:v>
+                </c:pt>
+                <c:pt idx="56">
+                  <c:v>0.67363720000000038</c:v>
+                </c:pt>
+                <c:pt idx="57">
+                  <c:v>0.60866430000000005</c:v>
+                </c:pt>
+                <c:pt idx="58">
+                  <c:v>0.61953829999999999</c:v>
+                </c:pt>
+                <c:pt idx="59">
+                  <c:v>0.69932360000000038</c:v>
+                </c:pt>
+                <c:pt idx="60">
+                  <c:v>0.56245769999999973</c:v>
+                </c:pt>
+                <c:pt idx="61">
+                  <c:v>0.62150590000000028</c:v>
+                </c:pt>
+                <c:pt idx="62">
+                  <c:v>0.60044730000000002</c:v>
+                </c:pt>
+                <c:pt idx="63">
+                  <c:v>0.53558489999999981</c:v>
+                </c:pt>
+                <c:pt idx="64">
+                  <c:v>0.49143760000000009</c:v>
+                </c:pt>
+                <c:pt idx="65">
+                  <c:v>0.59253619999999962</c:v>
+                </c:pt>
+                <c:pt idx="66">
+                  <c:v>0.52364570000000021</c:v>
+                </c:pt>
+                <c:pt idx="67">
+                  <c:v>0.57624080000000022</c:v>
+                </c:pt>
+                <c:pt idx="68">
+                  <c:v>0.37826540000000008</c:v>
+                </c:pt>
+                <c:pt idx="69">
+                  <c:v>0.35368610000000011</c:v>
+                </c:pt>
+                <c:pt idx="70">
+                  <c:v>0.46206440000000015</c:v>
+                </c:pt>
+                <c:pt idx="71">
+                  <c:v>0.47744500000000001</c:v>
+                </c:pt>
+                <c:pt idx="72">
+                  <c:v>0.44704720000000009</c:v>
+                </c:pt>
+                <c:pt idx="73">
+                  <c:v>0.37193560000000009</c:v>
+                </c:pt>
+                <c:pt idx="74">
+                  <c:v>0.29597520000000016</c:v>
+                </c:pt>
+                <c:pt idx="75">
+                  <c:v>0.2741963</c:v>
+                </c:pt>
+                <c:pt idx="76">
+                  <c:v>0.34929460000000012</c:v>
+                </c:pt>
+                <c:pt idx="77">
+                  <c:v>0.3859892000000002</c:v>
+                </c:pt>
+                <c:pt idx="78">
+                  <c:v>0.43398910000000013</c:v>
+                </c:pt>
+                <c:pt idx="79">
+                  <c:v>0.44108520000000012</c:v>
+                </c:pt>
+                <c:pt idx="80">
+                  <c:v>0.32666780000000012</c:v>
+                </c:pt>
+                <c:pt idx="81">
+                  <c:v>0.37944640000000013</c:v>
+                </c:pt>
+                <c:pt idx="82">
+                  <c:v>0.42756710000000009</c:v>
+                </c:pt>
+                <c:pt idx="83">
+                  <c:v>0.52865189999999995</c:v>
+                </c:pt>
+                <c:pt idx="84">
+                  <c:v>0.42878030000000011</c:v>
+                </c:pt>
+                <c:pt idx="85">
+                  <c:v>0.46494230000000009</c:v>
+                </c:pt>
+                <c:pt idx="86">
+                  <c:v>0.23062249999999998</c:v>
+                </c:pt>
+                <c:pt idx="87">
+                  <c:v>9.0135040000000041E-2</c:v>
+                </c:pt>
+                <c:pt idx="88">
+                  <c:v>5.950432000000002E-2</c:v>
+                </c:pt>
+                <c:pt idx="89">
+                  <c:v>0.10027519999999999</c:v>
+                </c:pt>
+                <c:pt idx="90">
+                  <c:v>0.20533680000000001</c:v>
+                </c:pt>
+                <c:pt idx="91">
+                  <c:v>0.2246766</c:v>
+                </c:pt>
+                <c:pt idx="92">
+                  <c:v>0.25591330000000001</c:v>
+                </c:pt>
+                <c:pt idx="93">
+                  <c:v>0.21158340000000006</c:v>
+                </c:pt>
+                <c:pt idx="94">
+                  <c:v>0.30667070000000013</c:v>
+                </c:pt>
+              </c:numCache>
+            </c:numRef>
+          </c:val>
+        </c:ser>
+        <c:marker val="1"/>
+        <c:axId val="80916864"/>
+        <c:axId val="80918400"/>
+      </c:lineChart>
+      <c:catAx>
+        <c:axId val="80916864"/>
+        <c:scaling>
+          <c:orientation val="minMax"/>
+        </c:scaling>
+        <c:axPos val="b"/>
+        <c:numFmt formatCode="General" sourceLinked="1"/>
+        <c:tickLblPos val="nextTo"/>
+        <c:crossAx val="80918400"/>
+        <c:crosses val="autoZero"/>
+        <c:auto val="1"/>
+        <c:lblAlgn val="ctr"/>
+        <c:lblOffset val="100"/>
+      </c:catAx>
+      <c:valAx>
+        <c:axId val="80918400"/>
+        <c:scaling>
+          <c:orientation val="minMax"/>
+        </c:scaling>
+        <c:axPos val="l"/>
+        <c:majorGridlines/>
+        <c:numFmt formatCode="General" sourceLinked="1"/>
+        <c:tickLblPos val="nextTo"/>
+        <c:crossAx val="80916864"/>
+        <c:crosses val="autoZero"/>
+        <c:crossBetween val="between"/>
+      </c:valAx>
+    </c:plotArea>
+    <c:legend>
+      <c:legendPos val="r"/>
+      <c:layout/>
+    </c:legend>
+    <c:plotVisOnly val="1"/>
+  </c:chart>
+  <c:txPr>
+    <a:bodyPr/>
+    <a:lstStyle/>
+    <a:p>
+      <a:pPr>
+        <a:defRPr sz="1800"/>
+      </a:pPr>
+      <a:endParaRPr lang="ru-RU"/>
+    </a:p>
+  </c:txPr>
+  <c:externalData r:id="rId1"/>
+</c:chartSpace>
+</file>
+
 <file path=ppt/notesMasters/notesMaster1.xml><?xml version="1.0" encoding="utf-8"?>
 <p:notesMaster xmlns:a="http://schemas.openxmlformats.org/drawingml/2006/main" xmlns:r="http://schemas.openxmlformats.org/officeDocument/2006/relationships" xmlns:p="http://schemas.openxmlformats.org/presentationml/2006/main">
   <p:cSld>
@@ -206,7 +1474,7 @@
             <a:fld id="{8178A954-E74A-437F-9540-7A36E2C630F2}" type="datetimeFigureOut">
               <a:rPr lang="ru-RU" smtClean="0"/>
               <a:pPr/>
-              <a:t>02.04.2014</a:t>
+              <a:t>04.04.2014</a:t>
             </a:fld>
             <a:endParaRPr lang="ru-RU"/>
           </a:p>
@@ -748,54 +2016,17 @@
             </a:r>
             <a:r>
               <a:rPr lang="ru-RU" baseline="0" dirty="0" smtClean="0"/>
-              <a:t> </a:t>
-            </a:r>
+              <a:t> функцию плотности распределения вероятности в виде коллекции взвешенных выборок  - частиц, поведение которых регулируется с помощью их весов. По сути частица является представлением некоторого возможного состояния объекта. </a:t>
+            </a:r>
+          </a:p>
+          <a:p>
+            <a:endParaRPr lang="ru-RU" baseline="0" dirty="0" smtClean="0"/>
+          </a:p>
+          <a:p>
             <a:r>
               <a:rPr lang="ru-RU" baseline="0" dirty="0" smtClean="0"/>
-              <a:t>функцию плотности распределения </a:t>
-            </a:r>
-            <a:r>
-              <a:rPr lang="ru-RU" baseline="0" dirty="0" smtClean="0"/>
-              <a:t>вероятности в виде коллекции взвешенных выборок  - частиц, </a:t>
-            </a:r>
-            <a:r>
-              <a:rPr lang="ru-RU" baseline="0" dirty="0" smtClean="0"/>
-              <a:t>поведение которых регулируется с помощью </a:t>
-            </a:r>
-            <a:r>
-              <a:rPr lang="ru-RU" baseline="0" dirty="0" smtClean="0"/>
-              <a:t>их весов</a:t>
-            </a:r>
-            <a:r>
-              <a:rPr lang="ru-RU" baseline="0" dirty="0" smtClean="0"/>
-              <a:t>. По сути частица является представлением некоторого возможного состояния объекта. </a:t>
-            </a:r>
-          </a:p>
-          <a:p>
-            <a:endParaRPr lang="ru-RU" baseline="0" dirty="0" smtClean="0"/>
-          </a:p>
-          <a:p>
-            <a:r>
-              <a:rPr lang="ru-RU" baseline="0" dirty="0" smtClean="0"/>
-              <a:t>С точки зрения фильтра частиц задача отслеживания сводится к построению метода </a:t>
-            </a:r>
-            <a:r>
-              <a:rPr lang="ru-RU" baseline="0" dirty="0" smtClean="0"/>
-              <a:t>восстановления множества </a:t>
-            </a:r>
-            <a:r>
-              <a:rPr lang="ru-RU" baseline="0" dirty="0" smtClean="0"/>
-              <a:t>частиц на текущем кадре на </a:t>
-            </a:r>
-            <a:r>
-              <a:rPr lang="ru-RU" baseline="0" dirty="0" smtClean="0"/>
-              <a:t>основании </a:t>
-            </a:r>
-            <a:r>
-              <a:rPr lang="ru-RU" baseline="0" dirty="0" smtClean="0"/>
-              <a:t>вычисленного множества с предыдущего кадра</a:t>
-            </a:r>
-            <a:endParaRPr lang="ru-RU" baseline="0" dirty="0" smtClean="0"/>
+              <a:t>С точки зрения фильтра частиц задача отслеживания сводится к построению метода восстановления множества частиц на текущем кадре на основании вычисленного множества с предыдущего кадра</a:t>
+            </a:r>
           </a:p>
           <a:p>
             <a:endParaRPr lang="ru-RU" dirty="0"/>
@@ -922,13 +2153,8 @@
             </a:r>
             <a:r>
               <a:rPr lang="ru-RU" baseline="0" dirty="0" smtClean="0"/>
-              <a:t> описывать разные признаки объекта и даже иметь разную </a:t>
-            </a:r>
-            <a:r>
-              <a:rPr lang="ru-RU" baseline="0" dirty="0" smtClean="0"/>
-              <a:t>размерность, как, например, в приводимом примере, где модель наблюдения аналогична статической части вектора состояний.</a:t>
-            </a:r>
-            <a:endParaRPr lang="ru-RU" baseline="0" dirty="0" smtClean="0"/>
+              <a:t> описывать разные признаки объекта и даже иметь разную размерность, как, например, в приводимом примере, где модель наблюдения аналогична статической части вектора состояний.</a:t>
+            </a:r>
           </a:p>
           <a:p>
             <a:endParaRPr lang="ru-RU" baseline="0" dirty="0" smtClean="0"/>
@@ -980,7 +2206,6 @@
               <a:rPr lang="ru-RU" baseline="0" dirty="0" smtClean="0"/>
               <a:t>Чем ближе гистограмма, построенная для некоторой частицы, к целевой гистограмме, с тем более высокой вероятностью данная частица описывает реальное состояние объекта.</a:t>
             </a:r>
-            <a:endParaRPr lang="ru-RU" baseline="0" dirty="0" smtClean="0"/>
           </a:p>
         </p:txBody>
       </p:sp>
@@ -1196,34 +2421,17 @@
               <a:rPr lang="ru-RU" baseline="0" dirty="0" smtClean="0"/>
               <a:t> частиц с предыдущего кадра.</a:t>
             </a:r>
-            <a:endParaRPr lang="ru-RU" baseline="0" dirty="0" smtClean="0"/>
           </a:p>
           <a:p>
             <a:r>
               <a:rPr lang="ru-RU" baseline="0" dirty="0" smtClean="0"/>
-              <a:t>Предсказание </a:t>
-            </a:r>
+              <a:t>Предсказание приводит к формированию множества оценочных состояний частиц (3-й уровень)</a:t>
+            </a:r>
+          </a:p>
+          <a:p>
             <a:r>
               <a:rPr lang="ru-RU" baseline="0" dirty="0" smtClean="0"/>
-              <a:t>приводит к формированию множества оценочных состояний частиц (3-й уровень)</a:t>
-            </a:r>
-          </a:p>
-          <a:p>
-            <a:r>
-              <a:rPr lang="ru-RU" baseline="0" dirty="0" smtClean="0"/>
-              <a:t>Для каждой оценки производится коррекция на основании имеющихся </a:t>
-            </a:r>
-            <a:r>
-              <a:rPr lang="ru-RU" baseline="0" dirty="0" smtClean="0"/>
-              <a:t>наблюдений (вычисление веса частицы). </a:t>
-            </a:r>
-            <a:r>
-              <a:rPr lang="ru-RU" baseline="0" dirty="0" smtClean="0"/>
-              <a:t>Получаем искомое множество </a:t>
-            </a:r>
-            <a:r>
-              <a:rPr lang="ru-RU" baseline="0" dirty="0" smtClean="0"/>
-              <a:t>частиц для текущей итерации </a:t>
+              <a:t>Для каждой оценки производится коррекция на основании имеющихся наблюдений (вычисление веса частицы). Получаем искомое множество частиц для текущей итерации </a:t>
             </a:r>
             <a:endParaRPr lang="ru-RU" dirty="0"/>
           </a:p>
@@ -1714,7 +2922,7 @@
             <a:fld id="{5B106E36-FD25-4E2D-B0AA-010F637433A0}" type="datetimeFigureOut">
               <a:rPr lang="ru-RU" smtClean="0"/>
               <a:pPr/>
-              <a:t>02.04.2014</a:t>
+              <a:t>04.04.2014</a:t>
             </a:fld>
             <a:endParaRPr lang="ru-RU"/>
           </a:p>
@@ -1939,7 +3147,7 @@
             <a:fld id="{5B106E36-FD25-4E2D-B0AA-010F637433A0}" type="datetimeFigureOut">
               <a:rPr lang="ru-RU" smtClean="0"/>
               <a:pPr/>
-              <a:t>02.04.2014</a:t>
+              <a:t>04.04.2014</a:t>
             </a:fld>
             <a:endParaRPr lang="ru-RU"/>
           </a:p>
@@ -2221,7 +3429,7 @@
             <a:fld id="{5B106E36-FD25-4E2D-B0AA-010F637433A0}" type="datetimeFigureOut">
               <a:rPr lang="ru-RU" smtClean="0"/>
               <a:pPr/>
-              <a:t>02.04.2014</a:t>
+              <a:t>04.04.2014</a:t>
             </a:fld>
             <a:endParaRPr lang="ru-RU"/>
           </a:p>
@@ -2402,7 +3610,7 @@
             <a:fld id="{5B106E36-FD25-4E2D-B0AA-010F637433A0}" type="datetimeFigureOut">
               <a:rPr lang="ru-RU" smtClean="0"/>
               <a:pPr/>
-              <a:t>02.04.2014</a:t>
+              <a:t>04.04.2014</a:t>
             </a:fld>
             <a:endParaRPr lang="ru-RU"/>
           </a:p>
@@ -2762,7 +3970,7 @@
             <a:fld id="{5B106E36-FD25-4E2D-B0AA-010F637433A0}" type="datetimeFigureOut">
               <a:rPr lang="ru-RU" smtClean="0"/>
               <a:pPr/>
-              <a:t>02.04.2014</a:t>
+              <a:t>04.04.2014</a:t>
             </a:fld>
             <a:endParaRPr lang="ru-RU"/>
           </a:p>
@@ -3051,7 +4259,7 @@
             <a:fld id="{5B106E36-FD25-4E2D-B0AA-010F637433A0}" type="datetimeFigureOut">
               <a:rPr lang="ru-RU" smtClean="0"/>
               <a:pPr/>
-              <a:t>02.04.2014</a:t>
+              <a:t>04.04.2014</a:t>
             </a:fld>
             <a:endParaRPr lang="ru-RU"/>
           </a:p>
@@ -3475,7 +4683,7 @@
             <a:fld id="{5B106E36-FD25-4E2D-B0AA-010F637433A0}" type="datetimeFigureOut">
               <a:rPr lang="ru-RU" smtClean="0"/>
               <a:pPr/>
-              <a:t>02.04.2014</a:t>
+              <a:t>04.04.2014</a:t>
             </a:fld>
             <a:endParaRPr lang="ru-RU"/>
           </a:p>
@@ -3592,7 +4800,7 @@
             <a:fld id="{5B106E36-FD25-4E2D-B0AA-010F637433A0}" type="datetimeFigureOut">
               <a:rPr lang="ru-RU" smtClean="0"/>
               <a:pPr/>
-              <a:t>02.04.2014</a:t>
+              <a:t>04.04.2014</a:t>
             </a:fld>
             <a:endParaRPr lang="ru-RU"/>
           </a:p>
@@ -3684,7 +4892,7 @@
             <a:fld id="{5B106E36-FD25-4E2D-B0AA-010F637433A0}" type="datetimeFigureOut">
               <a:rPr lang="ru-RU" smtClean="0"/>
               <a:pPr/>
-              <a:t>02.04.2014</a:t>
+              <a:t>04.04.2014</a:t>
             </a:fld>
             <a:endParaRPr lang="ru-RU"/>
           </a:p>
@@ -3964,7 +5172,7 @@
             <a:fld id="{5B106E36-FD25-4E2D-B0AA-010F637433A0}" type="datetimeFigureOut">
               <a:rPr lang="ru-RU" smtClean="0"/>
               <a:pPr/>
-              <a:t>02.04.2014</a:t>
+              <a:t>04.04.2014</a:t>
             </a:fld>
             <a:endParaRPr lang="ru-RU"/>
           </a:p>
@@ -4332,7 +5540,7 @@
             <a:fld id="{5B106E36-FD25-4E2D-B0AA-010F637433A0}" type="datetimeFigureOut">
               <a:rPr lang="ru-RU" smtClean="0"/>
               <a:pPr/>
-              <a:t>02.04.2014</a:t>
+              <a:t>04.04.2014</a:t>
             </a:fld>
             <a:endParaRPr lang="ru-RU"/>
           </a:p>
@@ -4771,7 +5979,7 @@
             <a:fld id="{5B106E36-FD25-4E2D-B0AA-010F637433A0}" type="datetimeFigureOut">
               <a:rPr lang="ru-RU" smtClean="0"/>
               <a:pPr/>
-              <a:t>02.04.2014</a:t>
+              <a:t>04.04.2014</a:t>
             </a:fld>
             <a:endParaRPr lang="ru-RU"/>
           </a:p>
@@ -5609,29 +6817,35 @@
           </a:p>
         </p:txBody>
       </p:sp>
-      <p:sp>
-        <p:nvSpPr>
-          <p:cNvPr id="3" name="Содержимое 2"/>
-          <p:cNvSpPr>
-            <a:spLocks noGrp="1"/>
-          </p:cNvSpPr>
+      <p:pic>
+        <p:nvPicPr>
+          <p:cNvPr id="6" name="movie01_adaptive_2.avi">
+            <a:hlinkClick r:id="" action="ppaction://media"/>
+          </p:cNvPr>
+          <p:cNvPicPr>
+            <a:picLocks noGrp="1" noRot="1" noChangeAspect="1"/>
+          </p:cNvPicPr>
           <p:nvPr>
             <p:ph idx="1"/>
-          </p:nvPr>
-        </p:nvSpPr>
-        <p:spPr/>
-        <p:txBody>
-          <a:bodyPr/>
-          <a:lstStyle/>
-          <a:p>
-            <a:r>
-              <a:rPr lang="ru-RU" dirty="0" smtClean="0"/>
-              <a:t>Здесь будет видео</a:t>
-            </a:r>
-            <a:endParaRPr lang="ru-RU" dirty="0"/>
-          </a:p>
-        </p:txBody>
-      </p:sp>
+            <a:videoFile r:link="rId1"/>
+          </p:nvPr>
+        </p:nvPicPr>
+        <p:blipFill>
+          <a:blip r:embed="rId3" cstate="print"/>
+          <a:stretch>
+            <a:fillRect/>
+          </a:stretch>
+        </p:blipFill>
+        <p:spPr>
+          <a:xfrm>
+            <a:off x="-1147763" y="-204788"/>
+            <a:ext cx="11439526" cy="8582026"/>
+          </a:xfrm>
+          <a:prstGeom prst="rect">
+            <a:avLst/>
+          </a:prstGeom>
+        </p:spPr>
+      </p:pic>
     </p:spTree>
   </p:cSld>
   <p:clrMapOvr>
@@ -5640,7 +6854,92 @@
   <p:timing>
     <p:tnLst>
       <p:par>
-        <p:cTn id="1" dur="indefinite" restart="never" nodeType="tmRoot"/>
+        <p:cTn id="1" dur="indefinite" restart="never" nodeType="tmRoot">
+          <p:childTnLst>
+            <p:seq concurrent="1" nextAc="seek">
+              <p:cTn id="2" restart="whenNotActive" fill="hold" evtFilter="cancelBubble" nodeType="interactiveSeq">
+                <p:stCondLst>
+                  <p:cond evt="onClick" delay="0">
+                    <p:tgtEl>
+                      <p:spTgt spid="6"/>
+                    </p:tgtEl>
+                  </p:cond>
+                </p:stCondLst>
+                <p:endSync evt="end" delay="0">
+                  <p:rtn val="all"/>
+                </p:endSync>
+                <p:childTnLst>
+                  <p:par>
+                    <p:cTn id="3" fill="hold">
+                      <p:stCondLst>
+                        <p:cond delay="0"/>
+                      </p:stCondLst>
+                      <p:childTnLst>
+                        <p:par>
+                          <p:cTn id="4" fill="hold">
+                            <p:stCondLst>
+                              <p:cond delay="0"/>
+                            </p:stCondLst>
+                            <p:childTnLst>
+                              <p:par>
+                                <p:cTn id="5" presetID="2" presetClass="mediacall" presetSubtype="0" fill="hold" nodeType="clickEffect">
+                                  <p:stCondLst>
+                                    <p:cond delay="0"/>
+                                  </p:stCondLst>
+                                  <p:childTnLst>
+                                    <p:cmd type="call" cmd="togglePause">
+                                      <p:cBhvr>
+                                        <p:cTn id="6" dur="1" fill="hold"/>
+                                        <p:tgtEl>
+                                          <p:spTgt spid="6"/>
+                                        </p:tgtEl>
+                                      </p:cBhvr>
+                                    </p:cmd>
+                                  </p:childTnLst>
+                                </p:cTn>
+                              </p:par>
+                            </p:childTnLst>
+                          </p:cTn>
+                        </p:par>
+                      </p:childTnLst>
+                    </p:cTn>
+                  </p:par>
+                </p:childTnLst>
+              </p:cTn>
+              <p:nextCondLst>
+                <p:cond evt="onClick" delay="0">
+                  <p:tgtEl>
+                    <p:spTgt spid="6"/>
+                  </p:tgtEl>
+                </p:cond>
+              </p:nextCondLst>
+            </p:seq>
+            <p:video>
+              <p:cMediaNode>
+                <p:cTn id="7" fill="hold" display="0">
+                  <p:stCondLst>
+                    <p:cond delay="indefinite"/>
+                  </p:stCondLst>
+                  <p:endCondLst>
+                    <p:cond evt="onNext" delay="0">
+                      <p:tgtEl>
+                        <p:sldTgt/>
+                      </p:tgtEl>
+                    </p:cond>
+                    <p:cond evt="onPrev" delay="0">
+                      <p:tgtEl>
+                        <p:sldTgt/>
+                      </p:tgtEl>
+                    </p:cond>
+                  </p:endCondLst>
+                </p:cTn>
+                <p:tgtEl>
+                  <p:spTgt spid="6"/>
+                </p:tgtEl>
+              </p:cMediaNode>
+            </p:video>
+          </p:childTnLst>
+        </p:cTn>
       </p:par>
     </p:tnLst>
   </p:timing>
@@ -5681,56 +6980,142 @@
           <a:p>
             <a:r>
               <a:rPr lang="ru-RU" dirty="0" smtClean="0"/>
-              <a:t>Выводы</a:t>
+              <a:t>Анализ результатов</a:t>
             </a:r>
             <a:endParaRPr lang="ru-RU" dirty="0"/>
           </a:p>
         </p:txBody>
       </p:sp>
-      <p:sp>
-        <p:nvSpPr>
-          <p:cNvPr id="3" name="Содержимое 2"/>
-          <p:cNvSpPr>
-            <a:spLocks noGrp="1"/>
-          </p:cNvSpPr>
+      <p:graphicFrame>
+        <p:nvGraphicFramePr>
+          <p:cNvPr id="4" name="Содержимое 3"/>
+          <p:cNvGraphicFramePr>
+            <a:graphicFrameLocks noGrp="1"/>
+          </p:cNvGraphicFramePr>
           <p:nvPr>
             <p:ph idx="1"/>
           </p:nvPr>
-        </p:nvSpPr>
-        <p:spPr/>
-        <p:txBody>
-          <a:bodyPr/>
+        </p:nvGraphicFramePr>
+        <p:xfrm>
+          <a:off x="457200" y="3284984"/>
+          <a:ext cx="6995120" cy="3115816"/>
+        </p:xfrm>
+        <a:graphic>
+          <a:graphicData uri="http://schemas.openxmlformats.org/drawingml/2006/chart">
+            <c:chart xmlns:c="http://schemas.openxmlformats.org/drawingml/2006/chart" xmlns:r="http://schemas.openxmlformats.org/officeDocument/2006/relationships" r:id="rId3"/>
+          </a:graphicData>
+        </a:graphic>
+      </p:graphicFrame>
+      <p:graphicFrame>
+        <p:nvGraphicFramePr>
+          <p:cNvPr id="55298" name="Object 2"/>
+          <p:cNvGraphicFramePr>
+            <a:graphicFrameLocks noChangeAspect="1"/>
+          </p:cNvGraphicFramePr>
+          <p:nvPr/>
+        </p:nvGraphicFramePr>
+        <p:xfrm>
+          <a:off x="971600" y="2420888"/>
+          <a:ext cx="2536825" cy="1003300"/>
+        </p:xfrm>
+        <a:graphic>
+          <a:graphicData uri="http://schemas.openxmlformats.org/presentationml/2006/ole">
+            <p:oleObj spid="_x0000_s55298" name="Equation" r:id="rId4" imgW="1130040" imgH="444240" progId="Equation.3">
+              <p:embed/>
+            </p:oleObj>
+          </a:graphicData>
+        </a:graphic>
+      </p:graphicFrame>
+      <p:sp>
+        <p:nvSpPr>
+          <p:cNvPr id="6" name="Содержимое 2"/>
+          <p:cNvSpPr txBox="1">
+            <a:spLocks/>
+          </p:cNvSpPr>
+          <p:nvPr/>
+        </p:nvSpPr>
+        <p:spPr>
+          <a:xfrm>
+            <a:off x="457200" y="1775191"/>
+            <a:ext cx="8075240" cy="1561133"/>
+          </a:xfrm>
+          <a:prstGeom prst="rect">
+            <a:avLst/>
+          </a:prstGeom>
+        </p:spPr>
+        <p:txBody>
+          <a:bodyPr vert="horz" lIns="54864" tIns="91440" rtlCol="0">
+            <a:normAutofit/>
+          </a:bodyPr>
           <a:lstStyle/>
           <a:p>
-            <a:r>
-              <a:rPr lang="ru-RU" dirty="0" smtClean="0"/>
-              <a:t>Адаптивный алгоритм лучше справляется с ускорениями</a:t>
-            </a:r>
-          </a:p>
-          <a:p>
-            <a:endParaRPr lang="ru-RU" dirty="0" smtClean="0"/>
-          </a:p>
-          <a:p>
-            <a:r>
-              <a:rPr lang="ru-RU" dirty="0" smtClean="0"/>
-              <a:t>Имеются проблемы с корректным определением размера объекта</a:t>
-            </a:r>
-          </a:p>
-          <a:p>
-            <a:endParaRPr lang="ru-RU" dirty="0" smtClean="0"/>
-          </a:p>
-          <a:p>
-            <a:r>
-              <a:rPr lang="ru-RU" dirty="0" smtClean="0"/>
-              <a:t>И что-нибудь еще</a:t>
-            </a:r>
-            <a:r>
-              <a:rPr lang="ru-RU" dirty="0" smtClean="0">
-                <a:sym typeface="Wingdings" pitchFamily="2" charset="2"/>
+            <a:pPr marL="438912" marR="0" lvl="0" indent="-320040" algn="l" defTabSz="914400" rtl="0" eaLnBrk="1" fontAlgn="auto" latinLnBrk="0" hangingPunct="1">
+              <a:lnSpc>
+                <a:spcPct val="100000"/>
+              </a:lnSpc>
+              <a:spcBef>
+                <a:spcPts val="0"/>
+              </a:spcBef>
+              <a:spcAft>
+                <a:spcPts val="0"/>
+              </a:spcAft>
+              <a:buClr>
+                <a:schemeClr val="accent1"/>
+              </a:buClr>
+              <a:buSzPct val="80000"/>
+              <a:buFont typeface="Wingdings 2"/>
+              <a:buChar char=""/>
+              <a:tabLst/>
+              <a:defRPr/>
+            </a:pPr>
+            <a:r>
+              <a:rPr kumimoji="0" lang="ru-RU" sz="3200" b="0" i="0" u="none" strike="noStrike" kern="1200" cap="none" spc="0" normalizeH="0" baseline="0" noProof="0" dirty="0" smtClean="0">
+                <a:ln>
+                  <a:noFill/>
+                </a:ln>
+                <a:solidFill>
+                  <a:schemeClr val="tx1"/>
+                </a:solidFill>
+                <a:effectLst/>
+                <a:uLnTx/>
+                <a:uFillTx/>
+                <a:latin typeface="+mn-lt"/>
+                <a:ea typeface="+mn-ea"/>
+                <a:cs typeface="+mn-cs"/>
               </a:rPr>
-              <a:t></a:t>
-            </a:r>
-            <a:endParaRPr lang="ru-RU" dirty="0"/>
+              <a:t>Индекс</a:t>
+            </a:r>
+            <a:r>
+              <a:rPr kumimoji="0" lang="ru-RU" sz="3200" b="0" i="0" u="none" strike="noStrike" kern="1200" cap="none" spc="0" normalizeH="0" noProof="0" dirty="0" smtClean="0">
+                <a:ln>
+                  <a:noFill/>
+                </a:ln>
+                <a:solidFill>
+                  <a:schemeClr val="tx1"/>
+                </a:solidFill>
+                <a:effectLst/>
+                <a:uLnTx/>
+                <a:uFillTx/>
+                <a:latin typeface="+mn-lt"/>
+                <a:ea typeface="+mn-ea"/>
+                <a:cs typeface="+mn-cs"/>
+              </a:rPr>
+              <a:t> качества отслеживания</a:t>
+            </a:r>
+            <a:endParaRPr kumimoji="0" lang="ru-RU" sz="3200" b="0" i="0" u="none" strike="noStrike" kern="1200" cap="none" spc="0" normalizeH="0" baseline="0" noProof="0" dirty="0">
+              <a:ln>
+                <a:noFill/>
+              </a:ln>
+              <a:solidFill>
+                <a:schemeClr val="tx1"/>
+              </a:solidFill>
+              <a:effectLst/>
+              <a:uLnTx/>
+              <a:uFillTx/>
+              <a:latin typeface="+mn-lt"/>
+              <a:ea typeface="+mn-ea"/>
+              <a:cs typeface="+mn-cs"/>
+            </a:endParaRPr>
           </a:p>
         </p:txBody>
       </p:sp>
@@ -5773,7 +7158,7 @@
             <a:spLocks noGrp="1"/>
           </p:cNvSpPr>
           <p:nvPr>
-            <p:ph type="ctrTitle"/>
+            <p:ph type="title"/>
           </p:nvPr>
         </p:nvSpPr>
         <p:spPr/>
@@ -5783,7 +7168,7 @@
           <a:p>
             <a:r>
               <a:rPr lang="ru-RU" dirty="0" smtClean="0"/>
-              <a:t>Спасибо за внимание</a:t>
+              <a:t>Выводы</a:t>
             </a:r>
             <a:endParaRPr lang="ru-RU" dirty="0"/>
           </a:p>
@@ -5791,12 +7176,106 @@
       </p:sp>
       <p:sp>
         <p:nvSpPr>
-          <p:cNvPr id="3" name="Подзаголовок 2"/>
-          <p:cNvSpPr>
-            <a:spLocks noGrp="1"/>
-          </p:cNvSpPr>
-          <p:nvPr>
-            <p:ph type="subTitle" idx="1"/>
+          <p:cNvPr id="3" name="Содержимое 2"/>
+          <p:cNvSpPr>
+            <a:spLocks noGrp="1"/>
+          </p:cNvSpPr>
+          <p:nvPr>
+            <p:ph idx="1"/>
+          </p:nvPr>
+        </p:nvSpPr>
+        <p:spPr/>
+        <p:txBody>
+          <a:bodyPr>
+            <a:normAutofit lnSpcReduction="10000"/>
+          </a:bodyPr>
+          <a:lstStyle/>
+          <a:p>
+            <a:r>
+              <a:rPr lang="ru-RU" dirty="0" smtClean="0"/>
+              <a:t>Адаптация ошибки более подходит для случаев, когда изменения в движении и размерах объекты значительны</a:t>
+            </a:r>
+          </a:p>
+          <a:p>
+            <a:endParaRPr lang="ru-RU" dirty="0" smtClean="0"/>
+          </a:p>
+          <a:p>
+            <a:r>
+              <a:rPr lang="ru-RU" dirty="0" smtClean="0">
+                <a:solidFill>
+                  <a:srgbClr val="FF0000"/>
+                </a:solidFill>
+              </a:rPr>
+              <a:t>Дальнейшие исследования</a:t>
+            </a:r>
+          </a:p>
+          <a:p>
+            <a:pPr lvl="1"/>
+            <a:r>
+              <a:rPr lang="ru-RU" dirty="0" smtClean="0"/>
+              <a:t>Мультипликативные погрешности</a:t>
+            </a:r>
+          </a:p>
+          <a:p>
+            <a:pPr lvl="1"/>
+            <a:r>
+              <a:rPr lang="ru-RU" dirty="0" smtClean="0"/>
+              <a:t>Обновление образца гистограммы объекта в ходе отслеживания</a:t>
+            </a:r>
+          </a:p>
+          <a:p>
+            <a:pPr lvl="1"/>
+            <a:r>
+              <a:rPr lang="ru-RU" dirty="0" smtClean="0"/>
+              <a:t>Другие методы визуального представления объекта </a:t>
+            </a:r>
+          </a:p>
+          <a:p>
+            <a:pPr lvl="1"/>
+            <a:endParaRPr lang="ru-RU" dirty="0" smtClean="0"/>
+          </a:p>
+        </p:txBody>
+      </p:sp>
+    </p:spTree>
+  </p:cSld>
+  <p:clrMapOvr>
+    <a:masterClrMapping/>
+  </p:clrMapOvr>
+  <p:timing>
+    <p:tnLst>
+      <p:par>
+        <p:cTn id="1" dur="indefinite" restart="never" nodeType="tmRoot"/>
+      </p:par>
+    </p:tnLst>
+  </p:timing>
+</p:sld>
+</file>
+
+<file path=ppt/slides/slide15.xml><?xml version="1.0" encoding="utf-8"?>
+<p:sld xmlns:a="http://schemas.openxmlformats.org/drawingml/2006/main" xmlns:r="http://schemas.openxmlformats.org/officeDocument/2006/relationships" xmlns:p="http://schemas.openxmlformats.org/presentationml/2006/main">
+  <p:cSld>
+    <p:spTree>
+      <p:nvGrpSpPr>
+        <p:cNvPr id="1" name=""/>
+        <p:cNvGrpSpPr/>
+        <p:nvPr/>
+      </p:nvGrpSpPr>
+      <p:grpSpPr>
+        <a:xfrm>
+          <a:off x="0" y="0"/>
+          <a:ext cx="0" cy="0"/>
+          <a:chOff x="0" y="0"/>
+          <a:chExt cx="0" cy="0"/>
+        </a:xfrm>
+      </p:grpSpPr>
+      <p:sp>
+        <p:nvSpPr>
+          <p:cNvPr id="2" name="Заголовок 1"/>
+          <p:cNvSpPr>
+            <a:spLocks noGrp="1"/>
+          </p:cNvSpPr>
+          <p:nvPr>
+            <p:ph type="ctrTitle"/>
           </p:nvPr>
         </p:nvSpPr>
         <p:spPr/>
@@ -5805,10 +7284,29 @@
           <a:lstStyle/>
           <a:p>
             <a:r>
-              <a:rPr lang="en-US" dirty="0" smtClean="0"/>
-              <a:t>To be continued….</a:t>
+              <a:rPr lang="ru-RU" dirty="0" smtClean="0"/>
+              <a:t>Спасибо за внимание</a:t>
             </a:r>
             <a:endParaRPr lang="ru-RU" dirty="0"/>
+          </a:p>
+        </p:txBody>
+      </p:sp>
+      <p:sp>
+        <p:nvSpPr>
+          <p:cNvPr id="4" name="Подзаголовок 3"/>
+          <p:cNvSpPr>
+            <a:spLocks noGrp="1"/>
+          </p:cNvSpPr>
+          <p:nvPr>
+            <p:ph type="subTitle" idx="1"/>
+          </p:nvPr>
+        </p:nvSpPr>
+        <p:spPr/>
+        <p:txBody>
+          <a:bodyPr/>
+          <a:lstStyle/>
+          <a:p>
+            <a:endParaRPr lang="ru-RU"/>
           </a:p>
         </p:txBody>
       </p:sp>
@@ -7108,29 +8606,35 @@
           </a:p>
         </p:txBody>
       </p:sp>
-      <p:sp>
-        <p:nvSpPr>
-          <p:cNvPr id="8" name="Содержимое 7"/>
-          <p:cNvSpPr>
-            <a:spLocks noGrp="1"/>
-          </p:cNvSpPr>
+      <p:pic>
+        <p:nvPicPr>
+          <p:cNvPr id="6" name="movie01_non_adaptive.avi">
+            <a:hlinkClick r:id="" action="ppaction://media"/>
+          </p:cNvPr>
+          <p:cNvPicPr>
+            <a:picLocks noGrp="1" noRot="1" noChangeAspect="1"/>
+          </p:cNvPicPr>
           <p:nvPr>
             <p:ph idx="1"/>
-          </p:nvPr>
-        </p:nvSpPr>
-        <p:spPr/>
-        <p:txBody>
-          <a:bodyPr/>
-          <a:lstStyle/>
-          <a:p>
-            <a:r>
-              <a:rPr lang="ru-RU" dirty="0" smtClean="0"/>
-              <a:t>Здесь будет видео</a:t>
-            </a:r>
-            <a:endParaRPr lang="ru-RU" dirty="0"/>
-          </a:p>
-        </p:txBody>
-      </p:sp>
+            <a:videoFile r:link="rId1"/>
+          </p:nvPr>
+        </p:nvPicPr>
+        <p:blipFill>
+          <a:blip r:embed="rId3" cstate="print"/>
+          <a:stretch>
+            <a:fillRect/>
+          </a:stretch>
+        </p:blipFill>
+        <p:spPr>
+          <a:xfrm>
+            <a:off x="-1147763" y="-204788"/>
+            <a:ext cx="11439526" cy="8582026"/>
+          </a:xfrm>
+          <a:prstGeom prst="rect">
+            <a:avLst/>
+          </a:prstGeom>
+        </p:spPr>
+      </p:pic>
     </p:spTree>
   </p:cSld>
   <p:clrMapOvr>
@@ -7139,7 +8643,92 @@
   <p:timing>
     <p:tnLst>
       <p:par>
-        <p:cTn id="1" dur="indefinite" restart="never" nodeType="tmRoot"/>
+        <p:cTn id="1" dur="indefinite" restart="never" nodeType="tmRoot">
+          <p:childTnLst>
+            <p:seq concurrent="1" nextAc="seek">
+              <p:cTn id="2" restart="whenNotActive" fill="hold" evtFilter="cancelBubble" nodeType="interactiveSeq">
+                <p:stCondLst>
+                  <p:cond evt="onClick" delay="0">
+                    <p:tgtEl>
+                      <p:spTgt spid="6"/>
+                    </p:tgtEl>
+                  </p:cond>
+                </p:stCondLst>
+                <p:endSync evt="end" delay="0">
+                  <p:rtn val="all"/>
+                </p:endSync>
+                <p:childTnLst>
+                  <p:par>
+                    <p:cTn id="3" fill="hold">
+                      <p:stCondLst>
+                        <p:cond delay="0"/>
+                      </p:stCondLst>
+                      <p:childTnLst>
+                        <p:par>
+                          <p:cTn id="4" fill="hold">
+                            <p:stCondLst>
+                              <p:cond delay="0"/>
+                            </p:stCondLst>
+                            <p:childTnLst>
+                              <p:par>
+                                <p:cTn id="5" presetID="2" presetClass="mediacall" presetSubtype="0" fill="hold" nodeType="clickEffect">
+                                  <p:stCondLst>
+                                    <p:cond delay="0"/>
+                                  </p:stCondLst>
+                                  <p:childTnLst>
+                                    <p:cmd type="call" cmd="togglePause">
+                                      <p:cBhvr>
+                                        <p:cTn id="6" dur="1" fill="hold"/>
+                                        <p:tgtEl>
+                                          <p:spTgt spid="6"/>
+                                        </p:tgtEl>
+                                      </p:cBhvr>
+                                    </p:cmd>
+                                  </p:childTnLst>
+                                </p:cTn>
+                              </p:par>
+                            </p:childTnLst>
+                          </p:cTn>
+                        </p:par>
+                      </p:childTnLst>
+                    </p:cTn>
+                  </p:par>
+                </p:childTnLst>
+              </p:cTn>
+              <p:nextCondLst>
+                <p:cond evt="onClick" delay="0">
+                  <p:tgtEl>
+                    <p:spTgt spid="6"/>
+                  </p:tgtEl>
+                </p:cond>
+              </p:nextCondLst>
+            </p:seq>
+            <p:video>
+              <p:cMediaNode>
+                <p:cTn id="7" fill="hold" display="0">
+                  <p:stCondLst>
+                    <p:cond delay="indefinite"/>
+                  </p:stCondLst>
+                  <p:endCondLst>
+                    <p:cond evt="onNext" delay="0">
+                      <p:tgtEl>
+                        <p:sldTgt/>
+                      </p:tgtEl>
+                    </p:cond>
+                    <p:cond evt="onPrev" delay="0">
+                      <p:tgtEl>
+                        <p:sldTgt/>
+                      </p:tgtEl>
+                    </p:cond>
+                  </p:endCondLst>
+                </p:cTn>
+                <p:tgtEl>
+                  <p:spTgt spid="6"/>
+                </p:tgtEl>
+              </p:cMediaNode>
+            </p:video>
+          </p:childTnLst>
+        </p:cTn>
       </p:par>
     </p:tnLst>
   </p:timing>
